--- a/Final Presentation PA (1).pptx
+++ b/Final Presentation PA (1).pptx
@@ -5,7 +5,7 @@
     <p:sldMasterId id="2147483687" r:id="rId1"/>
   </p:sldMasterIdLst>
   <p:notesMasterIdLst>
-    <p:notesMasterId r:id="rId23"/>
+    <p:notesMasterId r:id="rId27"/>
   </p:notesMasterIdLst>
   <p:sldIdLst>
     <p:sldId id="257" r:id="rId2"/>
@@ -14,21 +14,25 @@
     <p:sldId id="259" r:id="rId5"/>
     <p:sldId id="260" r:id="rId6"/>
     <p:sldId id="295" r:id="rId7"/>
-    <p:sldId id="261" r:id="rId8"/>
-    <p:sldId id="277" r:id="rId9"/>
-    <p:sldId id="278" r:id="rId10"/>
-    <p:sldId id="286" r:id="rId11"/>
-    <p:sldId id="275" r:id="rId12"/>
-    <p:sldId id="287" r:id="rId13"/>
-    <p:sldId id="279" r:id="rId14"/>
-    <p:sldId id="281" r:id="rId15"/>
-    <p:sldId id="280" r:id="rId16"/>
-    <p:sldId id="285" r:id="rId17"/>
-    <p:sldId id="294" r:id="rId18"/>
-    <p:sldId id="292" r:id="rId19"/>
-    <p:sldId id="293" r:id="rId20"/>
-    <p:sldId id="284" r:id="rId21"/>
-    <p:sldId id="288" r:id="rId22"/>
+    <p:sldId id="298" r:id="rId8"/>
+    <p:sldId id="299" r:id="rId9"/>
+    <p:sldId id="297" r:id="rId10"/>
+    <p:sldId id="300" r:id="rId11"/>
+    <p:sldId id="261" r:id="rId12"/>
+    <p:sldId id="277" r:id="rId13"/>
+    <p:sldId id="278" r:id="rId14"/>
+    <p:sldId id="286" r:id="rId15"/>
+    <p:sldId id="275" r:id="rId16"/>
+    <p:sldId id="287" r:id="rId17"/>
+    <p:sldId id="279" r:id="rId18"/>
+    <p:sldId id="281" r:id="rId19"/>
+    <p:sldId id="280" r:id="rId20"/>
+    <p:sldId id="285" r:id="rId21"/>
+    <p:sldId id="294" r:id="rId22"/>
+    <p:sldId id="292" r:id="rId23"/>
+    <p:sldId id="293" r:id="rId24"/>
+    <p:sldId id="284" r:id="rId25"/>
+    <p:sldId id="288" r:id="rId26"/>
   </p:sldIdLst>
   <p:sldSz cx="12192000" cy="6858000"/>
   <p:notesSz cx="6858000" cy="9144000"/>
@@ -138,6 +142,10 @@
             <p14:sldId id="259"/>
             <p14:sldId id="260"/>
             <p14:sldId id="295"/>
+            <p14:sldId id="298"/>
+            <p14:sldId id="299"/>
+            <p14:sldId id="297"/>
+            <p14:sldId id="300"/>
             <p14:sldId id="261"/>
             <p14:sldId id="277"/>
             <p14:sldId id="278"/>
@@ -18587,7 +18595,7 @@
           <a:p>
             <a:fld id="{A7666ED7-631A-46AF-B451-227D0A8685A0}" type="slidenum">
               <a:rPr lang="en-US"/>
-              <a:t>7</a:t>
+              <a:t>11</a:t>
             </a:fld>
             <a:endParaRPr lang="en-US"/>
           </a:p>
@@ -18671,7 +18679,7 @@
           <a:p>
             <a:fld id="{B37B1F30-39B2-4CE2-8EF3-91F3179569A5}" type="slidenum">
               <a:rPr lang="en-US" smtClean="0"/>
-              <a:t>10</a:t>
+              <a:t>14</a:t>
             </a:fld>
             <a:endParaRPr lang="en-US"/>
           </a:p>
@@ -18755,7 +18763,7 @@
           <a:p>
             <a:fld id="{A7666ED7-631A-46AF-B451-227D0A8685A0}" type="slidenum">
               <a:rPr lang="en-US"/>
-              <a:t>11</a:t>
+              <a:t>15</a:t>
             </a:fld>
             <a:endParaRPr lang="en-US"/>
           </a:p>
@@ -25327,6 +25335,597 @@
             <p:ph type="title"/>
           </p:nvPr>
         </p:nvSpPr>
+        <p:spPr>
+          <a:xfrm>
+            <a:off x="359508" y="189433"/>
+            <a:ext cx="9404723" cy="1400530"/>
+          </a:xfrm>
+        </p:spPr>
+        <p:txBody>
+          <a:bodyPr/>
+          <a:lstStyle/>
+          <a:p>
+            <a:r>
+              <a:rPr lang="en-US" sz="4400" dirty="0"/>
+              <a:t>Recycling and Treatment of wastewater </a:t>
+            </a:r>
+            <a:br>
+              <a:rPr lang="en-US" sz="4400" dirty="0"/>
+            </a:br>
+            <a:endParaRPr lang="en-US" dirty="0"/>
+          </a:p>
+        </p:txBody>
+      </p:sp>
+      <p:pic>
+        <p:nvPicPr>
+          <p:cNvPr id="6" name="Content Placeholder 5"/>
+          <p:cNvPicPr>
+            <a:picLocks noGrp="1" noChangeAspect="1"/>
+          </p:cNvPicPr>
+          <p:nvPr>
+            <p:ph idx="1"/>
+          </p:nvPr>
+        </p:nvPicPr>
+        <p:blipFill>
+          <a:blip r:embed="rId2">
+            <a:extLst>
+              <a:ext uri="{28A0092B-C50C-407E-A947-70E740481C1C}">
+                <a14:useLocalDpi xmlns:a14="http://schemas.microsoft.com/office/drawing/2010/main" val="0"/>
+              </a:ext>
+            </a:extLst>
+          </a:blip>
+          <a:stretch>
+            <a:fillRect/>
+          </a:stretch>
+        </p:blipFill>
+        <p:spPr>
+          <a:xfrm>
+            <a:off x="1705971" y="1630906"/>
+            <a:ext cx="8372159" cy="5063320"/>
+          </a:xfrm>
+        </p:spPr>
+      </p:pic>
+    </p:spTree>
+    <p:extLst>
+      <p:ext uri="{BB962C8B-B14F-4D97-AF65-F5344CB8AC3E}">
+        <p14:creationId xmlns:p14="http://schemas.microsoft.com/office/powerpoint/2010/main" val="1617643048"/>
+      </p:ext>
+    </p:extLst>
+  </p:cSld>
+  <p:clrMapOvr>
+    <a:masterClrMapping/>
+  </p:clrMapOvr>
+  <mc:AlternateContent xmlns:mc="http://schemas.openxmlformats.org/markup-compatibility/2006">
+    <mc:Choice xmlns:p14="http://schemas.microsoft.com/office/powerpoint/2010/main" Requires="p14">
+      <p:transition spd="med" p14:dur="700">
+        <p:fade/>
+      </p:transition>
+    </mc:Choice>
+    <mc:Fallback>
+      <p:transition spd="med">
+        <p:fade/>
+      </p:transition>
+    </mc:Fallback>
+  </mc:AlternateContent>
+  <p:timing>
+    <p:tnLst>
+      <p:par>
+        <p:cTn id="1" dur="indefinite" restart="never" nodeType="tmRoot"/>
+      </p:par>
+    </p:tnLst>
+  </p:timing>
+</p:sld>
+</file>
+
+<file path=ppt/slides/slide11.xml><?xml version="1.0" encoding="utf-8"?>
+<p:sld xmlns:a="http://schemas.openxmlformats.org/drawingml/2006/main" xmlns:r="http://schemas.openxmlformats.org/officeDocument/2006/relationships" xmlns:p="http://schemas.openxmlformats.org/presentationml/2006/main">
+  <p:cSld>
+    <p:spTree>
+      <p:nvGrpSpPr>
+        <p:cNvPr id="1" name=""/>
+        <p:cNvGrpSpPr/>
+        <p:nvPr/>
+      </p:nvGrpSpPr>
+      <p:grpSpPr>
+        <a:xfrm>
+          <a:off x="0" y="0"/>
+          <a:ext cx="0" cy="0"/>
+          <a:chOff x="0" y="0"/>
+          <a:chExt cx="0" cy="0"/>
+        </a:xfrm>
+      </p:grpSpPr>
+      <p:sp>
+        <p:nvSpPr>
+          <p:cNvPr id="2" name="Title 1"/>
+          <p:cNvSpPr>
+            <a:spLocks noGrp="1"/>
+          </p:cNvSpPr>
+          <p:nvPr>
+            <p:ph type="title"/>
+          </p:nvPr>
+        </p:nvSpPr>
+        <p:spPr/>
+        <p:txBody>
+          <a:bodyPr/>
+          <a:lstStyle/>
+          <a:p>
+            <a:r>
+              <a:rPr lang="en-US" dirty="0" smtClean="0"/>
+              <a:t>Project Description</a:t>
+            </a:r>
+            <a:endParaRPr lang="en-US" dirty="0"/>
+          </a:p>
+        </p:txBody>
+      </p:sp>
+      <p:sp>
+        <p:nvSpPr>
+          <p:cNvPr id="3" name="Content Placeholder 2"/>
+          <p:cNvSpPr>
+            <a:spLocks noGrp="1"/>
+          </p:cNvSpPr>
+          <p:nvPr>
+            <p:ph idx="1"/>
+          </p:nvPr>
+        </p:nvSpPr>
+        <p:spPr/>
+        <p:txBody>
+          <a:bodyPr>
+            <a:normAutofit/>
+          </a:bodyPr>
+          <a:lstStyle/>
+          <a:p>
+            <a:pPr>
+              <a:lnSpc>
+                <a:spcPct val="200000"/>
+              </a:lnSpc>
+            </a:pPr>
+            <a:r>
+              <a:rPr lang="en-US" sz="2000" dirty="0" smtClean="0"/>
+              <a:t>In our project we aim at remotely monitoring the crops and using precise drip irrigation method.</a:t>
+            </a:r>
+          </a:p>
+          <a:p>
+            <a:pPr>
+              <a:lnSpc>
+                <a:spcPct val="200000"/>
+              </a:lnSpc>
+            </a:pPr>
+            <a:r>
+              <a:rPr lang="en-US" sz="2000" dirty="0" smtClean="0"/>
+              <a:t>This is done by electronically controlling a water valve (based on the readings from various sensors in the field). </a:t>
+            </a:r>
+            <a:endParaRPr lang="en-US" sz="2000" dirty="0"/>
+          </a:p>
+          <a:p>
+            <a:pPr>
+              <a:lnSpc>
+                <a:spcPct val="200000"/>
+              </a:lnSpc>
+            </a:pPr>
+            <a:r>
+              <a:rPr lang="en-US" sz="2000" dirty="0" smtClean="0"/>
+              <a:t>Sensor data is also logged in a database and shown graphically on a website.</a:t>
+            </a:r>
+          </a:p>
+          <a:p>
+            <a:endParaRPr lang="en-US" dirty="0" smtClean="0"/>
+          </a:p>
+        </p:txBody>
+      </p:sp>
+    </p:spTree>
+    <p:extLst>
+      <p:ext uri="{BB962C8B-B14F-4D97-AF65-F5344CB8AC3E}">
+        <p14:creationId xmlns:p14="http://schemas.microsoft.com/office/powerpoint/2010/main" val="1003012626"/>
+      </p:ext>
+    </p:extLst>
+  </p:cSld>
+  <p:clrMapOvr>
+    <a:masterClrMapping/>
+  </p:clrMapOvr>
+  <mc:AlternateContent xmlns:mc="http://schemas.openxmlformats.org/markup-compatibility/2006" xmlns:p14="http://schemas.microsoft.com/office/powerpoint/2010/main">
+    <mc:Choice Requires="p14">
+      <p:transition spd="med" p14:dur="700">
+        <p:fade/>
+      </p:transition>
+    </mc:Choice>
+    <mc:Fallback xmlns="">
+      <p:transition spd="med">
+        <p:fade/>
+      </p:transition>
+    </mc:Fallback>
+  </mc:AlternateContent>
+  <p:timing>
+    <p:tnLst>
+      <p:par>
+        <p:cTn id="1" dur="indefinite" restart="never" nodeType="tmRoot"/>
+      </p:par>
+    </p:tnLst>
+  </p:timing>
+</p:sld>
+</file>
+
+<file path=ppt/slides/slide12.xml><?xml version="1.0" encoding="utf-8"?>
+<p:sld xmlns:a="http://schemas.openxmlformats.org/drawingml/2006/main" xmlns:r="http://schemas.openxmlformats.org/officeDocument/2006/relationships" xmlns:p="http://schemas.openxmlformats.org/presentationml/2006/main">
+  <p:cSld>
+    <p:spTree>
+      <p:nvGrpSpPr>
+        <p:cNvPr id="1" name=""/>
+        <p:cNvGrpSpPr/>
+        <p:nvPr/>
+      </p:nvGrpSpPr>
+      <p:grpSpPr>
+        <a:xfrm>
+          <a:off x="0" y="0"/>
+          <a:ext cx="0" cy="0"/>
+          <a:chOff x="0" y="0"/>
+          <a:chExt cx="0" cy="0"/>
+        </a:xfrm>
+      </p:grpSpPr>
+      <p:sp>
+        <p:nvSpPr>
+          <p:cNvPr id="2" name="Title 1"/>
+          <p:cNvSpPr>
+            <a:spLocks noGrp="1"/>
+          </p:cNvSpPr>
+          <p:nvPr>
+            <p:ph type="title"/>
+          </p:nvPr>
+        </p:nvSpPr>
+        <p:spPr/>
+        <p:txBody>
+          <a:bodyPr/>
+          <a:lstStyle/>
+          <a:p>
+            <a:r>
+              <a:rPr lang="en-US" dirty="0" smtClean="0"/>
+              <a:t>System Block Diagram</a:t>
+            </a:r>
+            <a:endParaRPr lang="en-US" dirty="0"/>
+          </a:p>
+        </p:txBody>
+      </p:sp>
+      <p:graphicFrame>
+        <p:nvGraphicFramePr>
+          <p:cNvPr id="25" name="Content Placeholder 24"/>
+          <p:cNvGraphicFramePr>
+            <a:graphicFrameLocks noGrp="1"/>
+          </p:cNvGraphicFramePr>
+          <p:nvPr>
+            <p:ph idx="1"/>
+            <p:extLst>
+              <p:ext uri="{D42A27DB-BD31-4B8C-83A1-F6EECF244321}">
+                <p14:modId xmlns:p14="http://schemas.microsoft.com/office/powerpoint/2010/main" val="164105552"/>
+              </p:ext>
+            </p:extLst>
+          </p:nvPr>
+        </p:nvGraphicFramePr>
+        <p:xfrm>
+          <a:off x="1103312" y="2052638"/>
+          <a:ext cx="8947521" cy="4195762"/>
+        </p:xfrm>
+        <a:graphic>
+          <a:graphicData uri="http://schemas.openxmlformats.org/drawingml/2006/diagram">
+            <dgm:relIds xmlns:dgm="http://schemas.openxmlformats.org/drawingml/2006/diagram" xmlns:r="http://schemas.openxmlformats.org/officeDocument/2006/relationships" r:dm="rId2" r:lo="rId3" r:qs="rId4" r:cs="rId5"/>
+          </a:graphicData>
+        </a:graphic>
+      </p:graphicFrame>
+      <p:sp>
+        <p:nvSpPr>
+          <p:cNvPr id="3" name="Rounded Rectangle 2"/>
+          <p:cNvSpPr/>
+          <p:nvPr/>
+        </p:nvSpPr>
+        <p:spPr>
+          <a:xfrm>
+            <a:off x="3732661" y="4758182"/>
+            <a:ext cx="1446663" cy="682388"/>
+          </a:xfrm>
+          <a:prstGeom prst="roundRect">
+            <a:avLst/>
+          </a:prstGeom>
+        </p:spPr>
+        <p:style>
+          <a:lnRef idx="2">
+            <a:schemeClr val="accent1">
+              <a:shade val="50000"/>
+            </a:schemeClr>
+          </a:lnRef>
+          <a:fillRef idx="1">
+            <a:schemeClr val="accent1"/>
+          </a:fillRef>
+          <a:effectRef idx="0">
+            <a:schemeClr val="accent1"/>
+          </a:effectRef>
+          <a:fontRef idx="minor">
+            <a:schemeClr val="lt1"/>
+          </a:fontRef>
+        </p:style>
+        <p:txBody>
+          <a:bodyPr rtlCol="0" anchor="ctr"/>
+          <a:lstStyle/>
+          <a:p>
+            <a:pPr algn="ctr"/>
+            <a:endParaRPr lang="en-US"/>
+          </a:p>
+        </p:txBody>
+      </p:sp>
+      <p:sp>
+        <p:nvSpPr>
+          <p:cNvPr id="4" name="TextBox 3"/>
+          <p:cNvSpPr txBox="1"/>
+          <p:nvPr/>
+        </p:nvSpPr>
+        <p:spPr>
+          <a:xfrm>
+            <a:off x="4010991" y="4758182"/>
+            <a:ext cx="1337481" cy="646331"/>
+          </a:xfrm>
+          <a:prstGeom prst="rect">
+            <a:avLst/>
+          </a:prstGeom>
+          <a:noFill/>
+        </p:spPr>
+        <p:txBody>
+          <a:bodyPr wrap="square" rtlCol="0">
+            <a:spAutoFit/>
+          </a:bodyPr>
+          <a:lstStyle/>
+          <a:p>
+            <a:r>
+              <a:rPr lang="en-US" dirty="0" smtClean="0"/>
+              <a:t>Water Valve</a:t>
+            </a:r>
+            <a:endParaRPr lang="en-US" dirty="0"/>
+          </a:p>
+        </p:txBody>
+      </p:sp>
+      <p:cxnSp>
+        <p:nvCxnSpPr>
+          <p:cNvPr id="6" name="Straight Arrow Connector 5"/>
+          <p:cNvCxnSpPr/>
+          <p:nvPr/>
+        </p:nvCxnSpPr>
+        <p:spPr>
+          <a:xfrm>
+            <a:off x="4442345" y="4380931"/>
+            <a:ext cx="13647" cy="377251"/>
+          </a:xfrm>
+          <a:prstGeom prst="straightConnector1">
+            <a:avLst/>
+          </a:prstGeom>
+          <a:ln>
+            <a:tailEnd type="triangle"/>
+          </a:ln>
+        </p:spPr>
+        <p:style>
+          <a:lnRef idx="1">
+            <a:schemeClr val="accent1"/>
+          </a:lnRef>
+          <a:fillRef idx="0">
+            <a:schemeClr val="accent1"/>
+          </a:fillRef>
+          <a:effectRef idx="0">
+            <a:schemeClr val="accent1"/>
+          </a:effectRef>
+          <a:fontRef idx="minor">
+            <a:schemeClr val="tx1"/>
+          </a:fontRef>
+        </p:style>
+      </p:cxnSp>
+    </p:spTree>
+    <p:extLst>
+      <p:ext uri="{BB962C8B-B14F-4D97-AF65-F5344CB8AC3E}">
+        <p14:creationId xmlns:p14="http://schemas.microsoft.com/office/powerpoint/2010/main" val="1137358770"/>
+      </p:ext>
+    </p:extLst>
+  </p:cSld>
+  <p:clrMapOvr>
+    <a:masterClrMapping/>
+  </p:clrMapOvr>
+  <mc:AlternateContent xmlns:mc="http://schemas.openxmlformats.org/markup-compatibility/2006" xmlns:p14="http://schemas.microsoft.com/office/powerpoint/2010/main">
+    <mc:Choice Requires="p14">
+      <p:transition spd="med" p14:dur="700">
+        <p:fade/>
+      </p:transition>
+    </mc:Choice>
+    <mc:Fallback xmlns="">
+      <p:transition spd="med">
+        <p:fade/>
+      </p:transition>
+    </mc:Fallback>
+  </mc:AlternateContent>
+  <p:timing>
+    <p:tnLst>
+      <p:par>
+        <p:cTn id="1" dur="indefinite" restart="never" nodeType="tmRoot"/>
+      </p:par>
+    </p:tnLst>
+  </p:timing>
+</p:sld>
+</file>
+
+<file path=ppt/slides/slide13.xml><?xml version="1.0" encoding="utf-8"?>
+<p:sld xmlns:a="http://schemas.openxmlformats.org/drawingml/2006/main" xmlns:r="http://schemas.openxmlformats.org/officeDocument/2006/relationships" xmlns:p="http://schemas.openxmlformats.org/presentationml/2006/main">
+  <p:cSld>
+    <p:spTree>
+      <p:nvGrpSpPr>
+        <p:cNvPr id="1" name=""/>
+        <p:cNvGrpSpPr/>
+        <p:nvPr/>
+      </p:nvGrpSpPr>
+      <p:grpSpPr>
+        <a:xfrm>
+          <a:off x="0" y="0"/>
+          <a:ext cx="0" cy="0"/>
+          <a:chOff x="0" y="0"/>
+          <a:chExt cx="0" cy="0"/>
+        </a:xfrm>
+      </p:grpSpPr>
+      <p:sp>
+        <p:nvSpPr>
+          <p:cNvPr id="2" name="Title 1"/>
+          <p:cNvSpPr>
+            <a:spLocks noGrp="1"/>
+          </p:cNvSpPr>
+          <p:nvPr>
+            <p:ph type="title"/>
+          </p:nvPr>
+        </p:nvSpPr>
+        <p:spPr/>
+        <p:txBody>
+          <a:bodyPr/>
+          <a:lstStyle/>
+          <a:p>
+            <a:r>
+              <a:rPr lang="en-US" dirty="0" smtClean="0"/>
+              <a:t>Probe</a:t>
+            </a:r>
+            <a:endParaRPr lang="en-US" dirty="0"/>
+          </a:p>
+        </p:txBody>
+      </p:sp>
+      <p:sp>
+        <p:nvSpPr>
+          <p:cNvPr id="3" name="Content Placeholder 2"/>
+          <p:cNvSpPr>
+            <a:spLocks noGrp="1"/>
+          </p:cNvSpPr>
+          <p:nvPr>
+            <p:ph idx="1"/>
+          </p:nvPr>
+        </p:nvSpPr>
+        <p:spPr/>
+        <p:txBody>
+          <a:bodyPr>
+            <a:noAutofit/>
+          </a:bodyPr>
+          <a:lstStyle/>
+          <a:p>
+            <a:pPr>
+              <a:lnSpc>
+                <a:spcPct val="200000"/>
+              </a:lnSpc>
+            </a:pPr>
+            <a:r>
+              <a:rPr lang="en-US" sz="2000" dirty="0" smtClean="0"/>
+              <a:t>Probes are installed in the field. It is the platform which contains all the sensors and a microcontroller.</a:t>
+            </a:r>
+          </a:p>
+          <a:p>
+            <a:pPr>
+              <a:lnSpc>
+                <a:spcPct val="200000"/>
+              </a:lnSpc>
+            </a:pPr>
+            <a:r>
+              <a:rPr lang="en-US" sz="2000" dirty="0" smtClean="0"/>
+              <a:t>The sensors are connected to a microcontroller board “LoRaduino”.</a:t>
+            </a:r>
+            <a:endParaRPr lang="en-US" sz="2000" dirty="0"/>
+          </a:p>
+          <a:p>
+            <a:pPr>
+              <a:lnSpc>
+                <a:spcPct val="200000"/>
+              </a:lnSpc>
+            </a:pPr>
+            <a:r>
+              <a:rPr lang="en-US" sz="2000" dirty="0" smtClean="0"/>
+              <a:t> This collected data is processed in LoRaduino.</a:t>
+            </a:r>
+          </a:p>
+          <a:p>
+            <a:pPr>
+              <a:lnSpc>
+                <a:spcPct val="200000"/>
+              </a:lnSpc>
+            </a:pPr>
+            <a:r>
+              <a:rPr lang="en-US" sz="2000" dirty="0" smtClean="0"/>
+              <a:t>Processed data </a:t>
+            </a:r>
+            <a:r>
+              <a:rPr lang="en-US" sz="2000" dirty="0"/>
+              <a:t>is transmitted to the communication hub through </a:t>
+            </a:r>
+            <a:r>
+              <a:rPr lang="en-US" sz="2000" dirty="0" smtClean="0"/>
+              <a:t>a built-in radio transmitter.</a:t>
+            </a:r>
+            <a:endParaRPr lang="en-US" sz="2000" dirty="0"/>
+          </a:p>
+          <a:p>
+            <a:pPr>
+              <a:lnSpc>
+                <a:spcPct val="200000"/>
+              </a:lnSpc>
+            </a:pPr>
+            <a:endParaRPr lang="en-US" sz="2000" dirty="0" smtClean="0"/>
+          </a:p>
+          <a:p>
+            <a:endParaRPr lang="en-US" sz="2000" dirty="0"/>
+          </a:p>
+        </p:txBody>
+      </p:sp>
+    </p:spTree>
+    <p:extLst>
+      <p:ext uri="{BB962C8B-B14F-4D97-AF65-F5344CB8AC3E}">
+        <p14:creationId xmlns:p14="http://schemas.microsoft.com/office/powerpoint/2010/main" val="918722642"/>
+      </p:ext>
+    </p:extLst>
+  </p:cSld>
+  <p:clrMapOvr>
+    <a:masterClrMapping/>
+  </p:clrMapOvr>
+  <mc:AlternateContent xmlns:mc="http://schemas.openxmlformats.org/markup-compatibility/2006" xmlns:p14="http://schemas.microsoft.com/office/powerpoint/2010/main">
+    <mc:Choice Requires="p14">
+      <p:transition spd="med" p14:dur="700">
+        <p:fade/>
+      </p:transition>
+    </mc:Choice>
+    <mc:Fallback xmlns="">
+      <p:transition spd="med">
+        <p:fade/>
+      </p:transition>
+    </mc:Fallback>
+  </mc:AlternateContent>
+  <p:timing>
+    <p:tnLst>
+      <p:par>
+        <p:cTn id="1" dur="indefinite" restart="never" nodeType="tmRoot"/>
+      </p:par>
+    </p:tnLst>
+  </p:timing>
+</p:sld>
+</file>
+
+<file path=ppt/slides/slide14.xml><?xml version="1.0" encoding="utf-8"?>
+<p:sld xmlns:a="http://schemas.openxmlformats.org/drawingml/2006/main" xmlns:r="http://schemas.openxmlformats.org/officeDocument/2006/relationships" xmlns:p="http://schemas.openxmlformats.org/presentationml/2006/main">
+  <p:cSld>
+    <p:spTree>
+      <p:nvGrpSpPr>
+        <p:cNvPr id="1" name=""/>
+        <p:cNvGrpSpPr/>
+        <p:nvPr/>
+      </p:nvGrpSpPr>
+      <p:grpSpPr>
+        <a:xfrm>
+          <a:off x="0" y="0"/>
+          <a:ext cx="0" cy="0"/>
+          <a:chOff x="0" y="0"/>
+          <a:chExt cx="0" cy="0"/>
+        </a:xfrm>
+      </p:grpSpPr>
+      <p:sp>
+        <p:nvSpPr>
+          <p:cNvPr id="2" name="Title 1"/>
+          <p:cNvSpPr>
+            <a:spLocks noGrp="1"/>
+          </p:cNvSpPr>
+          <p:nvPr>
+            <p:ph type="title"/>
+          </p:nvPr>
+        </p:nvSpPr>
         <p:spPr/>
         <p:txBody>
           <a:bodyPr/>
@@ -25472,7 +26071,7 @@
 </p:sld>
 </file>
 
-<file path=ppt/slides/slide11.xml><?xml version="1.0" encoding="utf-8"?>
+<file path=ppt/slides/slide15.xml><?xml version="1.0" encoding="utf-8"?>
 <p:sld xmlns:a="http://schemas.openxmlformats.org/drawingml/2006/main" xmlns:r="http://schemas.openxmlformats.org/officeDocument/2006/relationships" xmlns:p="http://schemas.openxmlformats.org/presentationml/2006/main">
   <p:cSld>
     <p:spTree>
@@ -25642,7 +26241,7 @@
 </p:sld>
 </file>
 
-<file path=ppt/slides/slide12.xml><?xml version="1.0" encoding="utf-8"?>
+<file path=ppt/slides/slide16.xml><?xml version="1.0" encoding="utf-8"?>
 <p:sld xmlns:a="http://schemas.openxmlformats.org/drawingml/2006/main" xmlns:r="http://schemas.openxmlformats.org/officeDocument/2006/relationships" xmlns:p="http://schemas.openxmlformats.org/presentationml/2006/main">
   <p:cSld>
     <p:spTree>
@@ -25815,7 +26414,7 @@
 </p:sld>
 </file>
 
-<file path=ppt/slides/slide13.xml><?xml version="1.0" encoding="utf-8"?>
+<file path=ppt/slides/slide17.xml><?xml version="1.0" encoding="utf-8"?>
 <p:sld xmlns:a="http://schemas.openxmlformats.org/drawingml/2006/main" xmlns:r="http://schemas.openxmlformats.org/officeDocument/2006/relationships" xmlns:p="http://schemas.openxmlformats.org/presentationml/2006/main">
   <p:cSld>
     <p:spTree>
@@ -26095,7 +26694,7 @@
 </p:sld>
 </file>
 
-<file path=ppt/slides/slide14.xml><?xml version="1.0" encoding="utf-8"?>
+<file path=ppt/slides/slide18.xml><?xml version="1.0" encoding="utf-8"?>
 <p:sld xmlns:a="http://schemas.openxmlformats.org/drawingml/2006/main" xmlns:r="http://schemas.openxmlformats.org/officeDocument/2006/relationships" xmlns:p="http://schemas.openxmlformats.org/presentationml/2006/main">
   <p:cSld>
     <p:spTree>
@@ -26223,7 +26822,7 @@
 </p:sld>
 </file>
 
-<file path=ppt/slides/slide15.xml><?xml version="1.0" encoding="utf-8"?>
+<file path=ppt/slides/slide19.xml><?xml version="1.0" encoding="utf-8"?>
 <p:sld xmlns:a="http://schemas.openxmlformats.org/drawingml/2006/main" xmlns:r="http://schemas.openxmlformats.org/officeDocument/2006/relationships" xmlns:p="http://schemas.openxmlformats.org/presentationml/2006/main">
   <p:cSld>
     <p:spTree>
@@ -26374,7 +26973,220 @@
 </p:sld>
 </file>
 
-<file path=ppt/slides/slide16.xml><?xml version="1.0" encoding="utf-8"?>
+<file path=ppt/slides/slide2.xml><?xml version="1.0" encoding="utf-8"?>
+<p:sld xmlns:a="http://schemas.openxmlformats.org/drawingml/2006/main" xmlns:r="http://schemas.openxmlformats.org/officeDocument/2006/relationships" xmlns:p="http://schemas.openxmlformats.org/presentationml/2006/main">
+  <p:cSld>
+    <p:spTree>
+      <p:nvGrpSpPr>
+        <p:cNvPr id="1" name=""/>
+        <p:cNvGrpSpPr/>
+        <p:nvPr/>
+      </p:nvGrpSpPr>
+      <p:grpSpPr>
+        <a:xfrm>
+          <a:off x="0" y="0"/>
+          <a:ext cx="0" cy="0"/>
+          <a:chOff x="0" y="0"/>
+          <a:chExt cx="0" cy="0"/>
+        </a:xfrm>
+      </p:grpSpPr>
+      <p:sp>
+        <p:nvSpPr>
+          <p:cNvPr id="2" name="Title 1"/>
+          <p:cNvSpPr>
+            <a:spLocks noGrp="1"/>
+          </p:cNvSpPr>
+          <p:nvPr>
+            <p:ph type="title"/>
+          </p:nvPr>
+        </p:nvSpPr>
+        <p:spPr/>
+        <p:txBody>
+          <a:bodyPr/>
+          <a:lstStyle/>
+          <a:p>
+            <a:r>
+              <a:rPr lang="en-US" dirty="0" smtClean="0"/>
+              <a:t>Table Of Contents</a:t>
+            </a:r>
+            <a:endParaRPr lang="en-US" dirty="0"/>
+          </a:p>
+        </p:txBody>
+      </p:sp>
+      <p:sp>
+        <p:nvSpPr>
+          <p:cNvPr id="3" name="Content Placeholder 2"/>
+          <p:cNvSpPr>
+            <a:spLocks noGrp="1"/>
+          </p:cNvSpPr>
+          <p:nvPr>
+            <p:ph idx="1"/>
+          </p:nvPr>
+        </p:nvSpPr>
+        <p:spPr/>
+        <p:txBody>
+          <a:bodyPr>
+            <a:normAutofit fontScale="85000" lnSpcReduction="20000"/>
+          </a:bodyPr>
+          <a:lstStyle/>
+          <a:p>
+            <a:pPr>
+              <a:lnSpc>
+                <a:spcPct val="120000"/>
+              </a:lnSpc>
+            </a:pPr>
+            <a:r>
+              <a:rPr lang="en-US" sz="2600" dirty="0" smtClean="0"/>
+              <a:t>Goal of the Project</a:t>
+            </a:r>
+          </a:p>
+          <a:p>
+            <a:pPr>
+              <a:lnSpc>
+                <a:spcPct val="120000"/>
+              </a:lnSpc>
+            </a:pPr>
+            <a:r>
+              <a:rPr lang="en-US" sz="2600" dirty="0" smtClean="0"/>
+              <a:t>What </a:t>
+            </a:r>
+            <a:r>
+              <a:rPr lang="en-US" sz="2600" dirty="0" smtClean="0"/>
+              <a:t>is Precision Agriculture</a:t>
+            </a:r>
+          </a:p>
+          <a:p>
+            <a:pPr>
+              <a:lnSpc>
+                <a:spcPct val="120000"/>
+              </a:lnSpc>
+            </a:pPr>
+            <a:r>
+              <a:rPr lang="en-US" sz="2600" dirty="0" smtClean="0"/>
+              <a:t>Precision </a:t>
+            </a:r>
+            <a:r>
+              <a:rPr lang="en-US" sz="2600" dirty="0" smtClean="0"/>
+              <a:t>Irrigation</a:t>
+            </a:r>
+          </a:p>
+          <a:p>
+            <a:pPr>
+              <a:lnSpc>
+                <a:spcPct val="120000"/>
+              </a:lnSpc>
+            </a:pPr>
+            <a:r>
+              <a:rPr lang="en-US" sz="2400" dirty="0"/>
+              <a:t>Innovative Technologies In Agriculture</a:t>
+            </a:r>
+            <a:endParaRPr lang="en-US" sz="2600" dirty="0" smtClean="0"/>
+          </a:p>
+          <a:p>
+            <a:pPr>
+              <a:lnSpc>
+                <a:spcPct val="120000"/>
+              </a:lnSpc>
+            </a:pPr>
+            <a:r>
+              <a:rPr lang="en-US" sz="2600" dirty="0" smtClean="0"/>
+              <a:t>Project Description</a:t>
+            </a:r>
+          </a:p>
+          <a:p>
+            <a:pPr>
+              <a:lnSpc>
+                <a:spcPct val="120000"/>
+              </a:lnSpc>
+            </a:pPr>
+            <a:r>
+              <a:rPr lang="en-US" sz="2600" dirty="0" smtClean="0"/>
+              <a:t>Block Diagram</a:t>
+            </a:r>
+          </a:p>
+          <a:p>
+            <a:pPr>
+              <a:lnSpc>
+                <a:spcPct val="120000"/>
+              </a:lnSpc>
+            </a:pPr>
+            <a:r>
+              <a:rPr lang="en-US" sz="2600" dirty="0" smtClean="0"/>
+              <a:t>Block Diagram Explanation</a:t>
+            </a:r>
+          </a:p>
+          <a:p>
+            <a:pPr>
+              <a:lnSpc>
+                <a:spcPct val="120000"/>
+              </a:lnSpc>
+            </a:pPr>
+            <a:r>
+              <a:rPr lang="en-US" sz="2600" dirty="0" smtClean="0"/>
+              <a:t>Path Forward</a:t>
+            </a:r>
+          </a:p>
+          <a:p>
+            <a:pPr>
+              <a:lnSpc>
+                <a:spcPct val="120000"/>
+              </a:lnSpc>
+            </a:pPr>
+            <a:r>
+              <a:rPr lang="en-US" sz="2600" dirty="0" smtClean="0"/>
+              <a:t>Timeline</a:t>
+            </a:r>
+          </a:p>
+          <a:p>
+            <a:endParaRPr lang="en-US" dirty="0" smtClean="0"/>
+          </a:p>
+          <a:p>
+            <a:endParaRPr lang="en-US" dirty="0" smtClean="0"/>
+          </a:p>
+          <a:p>
+            <a:endParaRPr lang="en-US" dirty="0" smtClean="0"/>
+          </a:p>
+          <a:p>
+            <a:endParaRPr lang="en-US" dirty="0" smtClean="0"/>
+          </a:p>
+          <a:p>
+            <a:endParaRPr lang="en-US" dirty="0"/>
+          </a:p>
+        </p:txBody>
+      </p:sp>
+    </p:spTree>
+    <p:extLst>
+      <p:ext uri="{BB962C8B-B14F-4D97-AF65-F5344CB8AC3E}">
+        <p14:creationId xmlns:p14="http://schemas.microsoft.com/office/powerpoint/2010/main" val="2772565043"/>
+      </p:ext>
+    </p:extLst>
+  </p:cSld>
+  <p:clrMapOvr>
+    <a:masterClrMapping/>
+  </p:clrMapOvr>
+  <mc:AlternateContent xmlns:mc="http://schemas.openxmlformats.org/markup-compatibility/2006" xmlns:p14="http://schemas.microsoft.com/office/powerpoint/2010/main">
+    <mc:Choice Requires="p14">
+      <p:transition spd="med" p14:dur="700">
+        <p:fade/>
+      </p:transition>
+    </mc:Choice>
+    <mc:Fallback xmlns="">
+      <p:transition spd="med">
+        <p:fade/>
+      </p:transition>
+    </mc:Fallback>
+  </mc:AlternateContent>
+  <p:timing>
+    <p:tnLst>
+      <p:par>
+        <p:cTn id="1" dur="indefinite" restart="never" nodeType="tmRoot"/>
+      </p:par>
+    </p:tnLst>
+  </p:timing>
+</p:sld>
+</file>
+
+<file path=ppt/slides/slide20.xml><?xml version="1.0" encoding="utf-8"?>
 <p:sld xmlns:a="http://schemas.openxmlformats.org/drawingml/2006/main" xmlns:r="http://schemas.openxmlformats.org/officeDocument/2006/relationships" xmlns:p="http://schemas.openxmlformats.org/presentationml/2006/main">
   <p:cSld>
     <p:spTree>
@@ -26468,7 +27280,7 @@
 </p:sld>
 </file>
 
-<file path=ppt/slides/slide17.xml><?xml version="1.0" encoding="utf-8"?>
+<file path=ppt/slides/slide21.xml><?xml version="1.0" encoding="utf-8"?>
 <p:sld xmlns:a="http://schemas.openxmlformats.org/drawingml/2006/main" xmlns:r="http://schemas.openxmlformats.org/officeDocument/2006/relationships" xmlns:p="http://schemas.openxmlformats.org/presentationml/2006/main">
   <p:cSld>
     <p:spTree>
@@ -26883,7 +27695,7 @@
 </p:sld>
 </file>
 
-<file path=ppt/slides/slide18.xml><?xml version="1.0" encoding="utf-8"?>
+<file path=ppt/slides/slide22.xml><?xml version="1.0" encoding="utf-8"?>
 <p:sld xmlns:a="http://schemas.openxmlformats.org/drawingml/2006/main" xmlns:r="http://schemas.openxmlformats.org/officeDocument/2006/relationships" xmlns:p="http://schemas.openxmlformats.org/presentationml/2006/main">
   <p:cSld>
     <p:spTree>
@@ -26991,7 +27803,7 @@
 </p:sld>
 </file>
 
-<file path=ppt/slides/slide19.xml><?xml version="1.0" encoding="utf-8"?>
+<file path=ppt/slides/slide23.xml><?xml version="1.0" encoding="utf-8"?>
 <p:sld xmlns:a="http://schemas.openxmlformats.org/drawingml/2006/main" xmlns:r="http://schemas.openxmlformats.org/officeDocument/2006/relationships" xmlns:p="http://schemas.openxmlformats.org/presentationml/2006/main">
   <p:cSld>
     <p:spTree>
@@ -27099,220 +27911,7 @@
 </p:sld>
 </file>
 
-<file path=ppt/slides/slide2.xml><?xml version="1.0" encoding="utf-8"?>
-<p:sld xmlns:a="http://schemas.openxmlformats.org/drawingml/2006/main" xmlns:r="http://schemas.openxmlformats.org/officeDocument/2006/relationships" xmlns:p="http://schemas.openxmlformats.org/presentationml/2006/main">
-  <p:cSld>
-    <p:spTree>
-      <p:nvGrpSpPr>
-        <p:cNvPr id="1" name=""/>
-        <p:cNvGrpSpPr/>
-        <p:nvPr/>
-      </p:nvGrpSpPr>
-      <p:grpSpPr>
-        <a:xfrm>
-          <a:off x="0" y="0"/>
-          <a:ext cx="0" cy="0"/>
-          <a:chOff x="0" y="0"/>
-          <a:chExt cx="0" cy="0"/>
-        </a:xfrm>
-      </p:grpSpPr>
-      <p:sp>
-        <p:nvSpPr>
-          <p:cNvPr id="2" name="Title 1"/>
-          <p:cNvSpPr>
-            <a:spLocks noGrp="1"/>
-          </p:cNvSpPr>
-          <p:nvPr>
-            <p:ph type="title"/>
-          </p:nvPr>
-        </p:nvSpPr>
-        <p:spPr/>
-        <p:txBody>
-          <a:bodyPr/>
-          <a:lstStyle/>
-          <a:p>
-            <a:r>
-              <a:rPr lang="en-US" dirty="0" smtClean="0"/>
-              <a:t>Table Of Contents</a:t>
-            </a:r>
-            <a:endParaRPr lang="en-US" dirty="0"/>
-          </a:p>
-        </p:txBody>
-      </p:sp>
-      <p:sp>
-        <p:nvSpPr>
-          <p:cNvPr id="3" name="Content Placeholder 2"/>
-          <p:cNvSpPr>
-            <a:spLocks noGrp="1"/>
-          </p:cNvSpPr>
-          <p:nvPr>
-            <p:ph idx="1"/>
-          </p:nvPr>
-        </p:nvSpPr>
-        <p:spPr/>
-        <p:txBody>
-          <a:bodyPr>
-            <a:normAutofit fontScale="85000" lnSpcReduction="20000"/>
-          </a:bodyPr>
-          <a:lstStyle/>
-          <a:p>
-            <a:pPr>
-              <a:lnSpc>
-                <a:spcPct val="120000"/>
-              </a:lnSpc>
-            </a:pPr>
-            <a:r>
-              <a:rPr lang="en-US" sz="2600" dirty="0" smtClean="0"/>
-              <a:t>Goal of the Project</a:t>
-            </a:r>
-          </a:p>
-          <a:p>
-            <a:pPr>
-              <a:lnSpc>
-                <a:spcPct val="120000"/>
-              </a:lnSpc>
-            </a:pPr>
-            <a:r>
-              <a:rPr lang="en-US" sz="2600" dirty="0" smtClean="0"/>
-              <a:t>What </a:t>
-            </a:r>
-            <a:r>
-              <a:rPr lang="en-US" sz="2600" dirty="0" smtClean="0"/>
-              <a:t>is Precision Agriculture</a:t>
-            </a:r>
-          </a:p>
-          <a:p>
-            <a:pPr>
-              <a:lnSpc>
-                <a:spcPct val="120000"/>
-              </a:lnSpc>
-            </a:pPr>
-            <a:r>
-              <a:rPr lang="en-US" sz="2600" dirty="0" smtClean="0"/>
-              <a:t>Precision </a:t>
-            </a:r>
-            <a:r>
-              <a:rPr lang="en-US" sz="2600" dirty="0" smtClean="0"/>
-              <a:t>Irrigation</a:t>
-            </a:r>
-          </a:p>
-          <a:p>
-            <a:pPr>
-              <a:lnSpc>
-                <a:spcPct val="120000"/>
-              </a:lnSpc>
-            </a:pPr>
-            <a:r>
-              <a:rPr lang="en-US" sz="2400" dirty="0"/>
-              <a:t>Innovative Technologies In Agriculture</a:t>
-            </a:r>
-            <a:endParaRPr lang="en-US" sz="2600" dirty="0" smtClean="0"/>
-          </a:p>
-          <a:p>
-            <a:pPr>
-              <a:lnSpc>
-                <a:spcPct val="120000"/>
-              </a:lnSpc>
-            </a:pPr>
-            <a:r>
-              <a:rPr lang="en-US" sz="2600" dirty="0" smtClean="0"/>
-              <a:t>Project Description</a:t>
-            </a:r>
-          </a:p>
-          <a:p>
-            <a:pPr>
-              <a:lnSpc>
-                <a:spcPct val="120000"/>
-              </a:lnSpc>
-            </a:pPr>
-            <a:r>
-              <a:rPr lang="en-US" sz="2600" dirty="0" smtClean="0"/>
-              <a:t>Block Diagram</a:t>
-            </a:r>
-          </a:p>
-          <a:p>
-            <a:pPr>
-              <a:lnSpc>
-                <a:spcPct val="120000"/>
-              </a:lnSpc>
-            </a:pPr>
-            <a:r>
-              <a:rPr lang="en-US" sz="2600" dirty="0" smtClean="0"/>
-              <a:t>Block Diagram Explanation</a:t>
-            </a:r>
-          </a:p>
-          <a:p>
-            <a:pPr>
-              <a:lnSpc>
-                <a:spcPct val="120000"/>
-              </a:lnSpc>
-            </a:pPr>
-            <a:r>
-              <a:rPr lang="en-US" sz="2600" dirty="0" smtClean="0"/>
-              <a:t>Path Forward</a:t>
-            </a:r>
-          </a:p>
-          <a:p>
-            <a:pPr>
-              <a:lnSpc>
-                <a:spcPct val="120000"/>
-              </a:lnSpc>
-            </a:pPr>
-            <a:r>
-              <a:rPr lang="en-US" sz="2600" dirty="0" smtClean="0"/>
-              <a:t>Timeline</a:t>
-            </a:r>
-          </a:p>
-          <a:p>
-            <a:endParaRPr lang="en-US" dirty="0" smtClean="0"/>
-          </a:p>
-          <a:p>
-            <a:endParaRPr lang="en-US" dirty="0" smtClean="0"/>
-          </a:p>
-          <a:p>
-            <a:endParaRPr lang="en-US" dirty="0" smtClean="0"/>
-          </a:p>
-          <a:p>
-            <a:endParaRPr lang="en-US" dirty="0" smtClean="0"/>
-          </a:p>
-          <a:p>
-            <a:endParaRPr lang="en-US" dirty="0"/>
-          </a:p>
-        </p:txBody>
-      </p:sp>
-    </p:spTree>
-    <p:extLst>
-      <p:ext uri="{BB962C8B-B14F-4D97-AF65-F5344CB8AC3E}">
-        <p14:creationId xmlns:p14="http://schemas.microsoft.com/office/powerpoint/2010/main" val="2772565043"/>
-      </p:ext>
-    </p:extLst>
-  </p:cSld>
-  <p:clrMapOvr>
-    <a:masterClrMapping/>
-  </p:clrMapOvr>
-  <mc:AlternateContent xmlns:mc="http://schemas.openxmlformats.org/markup-compatibility/2006" xmlns:p14="http://schemas.microsoft.com/office/powerpoint/2010/main">
-    <mc:Choice Requires="p14">
-      <p:transition spd="med" p14:dur="700">
-        <p:fade/>
-      </p:transition>
-    </mc:Choice>
-    <mc:Fallback xmlns="">
-      <p:transition spd="med">
-        <p:fade/>
-      </p:transition>
-    </mc:Fallback>
-  </mc:AlternateContent>
-  <p:timing>
-    <p:tnLst>
-      <p:par>
-        <p:cTn id="1" dur="indefinite" restart="never" nodeType="tmRoot"/>
-      </p:par>
-    </p:tnLst>
-  </p:timing>
-</p:sld>
-</file>
-
-<file path=ppt/slides/slide20.xml><?xml version="1.0" encoding="utf-8"?>
+<file path=ppt/slides/slide24.xml><?xml version="1.0" encoding="utf-8"?>
 <p:sld xmlns:a="http://schemas.openxmlformats.org/drawingml/2006/main" xmlns:r="http://schemas.openxmlformats.org/officeDocument/2006/relationships" xmlns:p="http://schemas.openxmlformats.org/presentationml/2006/main">
   <p:cSld>
     <p:spTree>
@@ -27519,7 +28118,7 @@
 </p:sld>
 </file>
 
-<file path=ppt/slides/slide21.xml><?xml version="1.0" encoding="utf-8"?>
+<file path=ppt/slides/slide25.xml><?xml version="1.0" encoding="utf-8"?>
 <p:sld xmlns:a="http://schemas.openxmlformats.org/drawingml/2006/main" xmlns:r="http://schemas.openxmlformats.org/officeDocument/2006/relationships" xmlns:p="http://schemas.openxmlformats.org/presentationml/2006/main">
   <p:cSld>
     <p:spTree>
@@ -27581,8 +28180,8 @@
         </p:blipFill>
         <p:spPr>
           <a:xfrm>
-            <a:off x="0" y="1995138"/>
-            <a:ext cx="12192000" cy="4862862"/>
+            <a:off x="0" y="1473958"/>
+            <a:ext cx="12192000" cy="5384042"/>
           </a:xfrm>
           <a:prstGeom prst="rect">
             <a:avLst/>
@@ -27597,8 +28196,8 @@
         </p:nvSpPr>
         <p:spPr>
           <a:xfrm>
-            <a:off x="941696" y="2661314"/>
-            <a:ext cx="5117910" cy="2400657"/>
+            <a:off x="200166" y="1692322"/>
+            <a:ext cx="6378053" cy="2893100"/>
           </a:xfrm>
           <a:prstGeom prst="rect">
             <a:avLst/>
@@ -27614,7 +28213,9 @@
             <a:r>
               <a:rPr lang="en-US" sz="3200" dirty="0" smtClean="0">
                 <a:solidFill>
-                  <a:schemeClr val="bg1"/>
+                  <a:schemeClr val="accent1">
+                    <a:lumMod val="50000"/>
+                  </a:schemeClr>
                 </a:solidFill>
                 <a:latin typeface="Cambria Math" panose="02040503050406030204" pitchFamily="18" charset="0"/>
                 <a:ea typeface="Cambria Math" panose="02040503050406030204" pitchFamily="18" charset="0"/>
@@ -27624,26 +28225,81 @@
             <a:r>
               <a:rPr lang="en-US" sz="3200" dirty="0">
                 <a:solidFill>
-                  <a:schemeClr val="bg1"/>
+                  <a:schemeClr val="accent1">
+                    <a:lumMod val="50000"/>
+                  </a:schemeClr>
                 </a:solidFill>
                 <a:latin typeface="Cambria Math" panose="02040503050406030204" pitchFamily="18" charset="0"/>
                 <a:ea typeface="Cambria Math" panose="02040503050406030204" pitchFamily="18" charset="0"/>
               </a:rPr>
-              <a:t>never know the worth of water till the well is dry. Save Water</a:t>
+              <a:t>never know the worth of water till the well is dry</a:t>
             </a:r>
             <a:r>
               <a:rPr lang="en-US" sz="3200" dirty="0" smtClean="0">
                 <a:solidFill>
-                  <a:schemeClr val="bg1"/>
+                  <a:schemeClr val="accent1">
+                    <a:lumMod val="50000"/>
+                  </a:schemeClr>
                 </a:solidFill>
                 <a:latin typeface="Cambria Math" panose="02040503050406030204" pitchFamily="18" charset="0"/>
                 <a:ea typeface="Cambria Math" panose="02040503050406030204" pitchFamily="18" charset="0"/>
               </a:rPr>
-              <a:t>!!”</a:t>
+              <a:t>.” </a:t>
+            </a:r>
+          </a:p>
+          <a:p>
+            <a:endParaRPr lang="en-US" sz="3200" dirty="0">
+              <a:solidFill>
+                <a:schemeClr val="accent1">
+                  <a:lumMod val="50000"/>
+                </a:schemeClr>
+              </a:solidFill>
+              <a:latin typeface="Cambria Math" panose="02040503050406030204" pitchFamily="18" charset="0"/>
+              <a:ea typeface="Cambria Math" panose="02040503050406030204" pitchFamily="18" charset="0"/>
+            </a:endParaRPr>
+          </a:p>
+          <a:p>
+            <a:r>
+              <a:rPr lang="en-US" sz="3200" dirty="0" smtClean="0">
+                <a:solidFill>
+                  <a:schemeClr val="accent1">
+                    <a:lumMod val="50000"/>
+                  </a:schemeClr>
+                </a:solidFill>
+                <a:latin typeface="Cambria Math" panose="02040503050406030204" pitchFamily="18" charset="0"/>
+                <a:ea typeface="Cambria Math" panose="02040503050406030204" pitchFamily="18" charset="0"/>
+              </a:rPr>
+              <a:t>Save </a:t>
+            </a:r>
+            <a:r>
+              <a:rPr lang="en-US" sz="3200" dirty="0">
+                <a:solidFill>
+                  <a:schemeClr val="accent1">
+                    <a:lumMod val="50000"/>
+                  </a:schemeClr>
+                </a:solidFill>
+                <a:latin typeface="Cambria Math" panose="02040503050406030204" pitchFamily="18" charset="0"/>
+                <a:ea typeface="Cambria Math" panose="02040503050406030204" pitchFamily="18" charset="0"/>
+              </a:rPr>
+              <a:t>Water</a:t>
+            </a:r>
+            <a:r>
+              <a:rPr lang="en-US" sz="3200" dirty="0" smtClean="0">
+                <a:solidFill>
+                  <a:schemeClr val="accent1">
+                    <a:lumMod val="50000"/>
+                  </a:schemeClr>
+                </a:solidFill>
+                <a:latin typeface="Cambria Math" panose="02040503050406030204" pitchFamily="18" charset="0"/>
+                <a:ea typeface="Cambria Math" panose="02040503050406030204" pitchFamily="18" charset="0"/>
+              </a:rPr>
+              <a:t>!!</a:t>
             </a:r>
             <a:endParaRPr lang="en-US" sz="3200" dirty="0">
               <a:solidFill>
-                <a:schemeClr val="bg1"/>
+                <a:schemeClr val="accent1">
+                  <a:lumMod val="50000"/>
+                </a:schemeClr>
               </a:solidFill>
               <a:latin typeface="Cambria Math" panose="02040503050406030204" pitchFamily="18" charset="0"/>
               <a:ea typeface="Cambria Math" panose="02040503050406030204" pitchFamily="18" charset="0"/>
@@ -28296,85 +28952,62 @@
           <a:lstStyle/>
           <a:p>
             <a:r>
-              <a:rPr lang="en-US" dirty="0" smtClean="0"/>
-              <a:t>Project Description</a:t>
+              <a:rPr lang="en-US" sz="4400" dirty="0"/>
+              <a:t>Drip Irrigation</a:t>
             </a:r>
+            <a:br>
+              <a:rPr lang="en-US" sz="4400" dirty="0"/>
+            </a:br>
             <a:endParaRPr lang="en-US" dirty="0"/>
           </a:p>
         </p:txBody>
       </p:sp>
-      <p:sp>
-        <p:nvSpPr>
-          <p:cNvPr id="3" name="Content Placeholder 2"/>
-          <p:cNvSpPr>
-            <a:spLocks noGrp="1"/>
-          </p:cNvSpPr>
+      <p:pic>
+        <p:nvPicPr>
+          <p:cNvPr id="4" name="Content Placeholder 3"/>
+          <p:cNvPicPr>
+            <a:picLocks noGrp="1" noChangeAspect="1"/>
+          </p:cNvPicPr>
           <p:nvPr>
             <p:ph idx="1"/>
           </p:nvPr>
-        </p:nvSpPr>
-        <p:spPr/>
-        <p:txBody>
-          <a:bodyPr>
-            <a:normAutofit/>
-          </a:bodyPr>
-          <a:lstStyle/>
-          <a:p>
-            <a:pPr>
-              <a:lnSpc>
-                <a:spcPct val="200000"/>
-              </a:lnSpc>
-            </a:pPr>
-            <a:r>
-              <a:rPr lang="en-US" sz="2000" dirty="0" smtClean="0"/>
-              <a:t>In our project we aim at remotely monitoring the crops and using precise drip irrigation method.</a:t>
-            </a:r>
-          </a:p>
-          <a:p>
-            <a:pPr>
-              <a:lnSpc>
-                <a:spcPct val="200000"/>
-              </a:lnSpc>
-            </a:pPr>
-            <a:r>
-              <a:rPr lang="en-US" sz="2000" dirty="0" smtClean="0"/>
-              <a:t>This is done by electronically controlling a water valve (based on the readings from various sensors in the field). </a:t>
-            </a:r>
-            <a:endParaRPr lang="en-US" sz="2000" dirty="0"/>
-          </a:p>
-          <a:p>
-            <a:pPr>
-              <a:lnSpc>
-                <a:spcPct val="200000"/>
-              </a:lnSpc>
-            </a:pPr>
-            <a:r>
-              <a:rPr lang="en-US" sz="2000" dirty="0" smtClean="0"/>
-              <a:t>Sensor data is also logged in a database and shown graphically on a website.</a:t>
-            </a:r>
-          </a:p>
-          <a:p>
-            <a:endParaRPr lang="en-US" dirty="0" smtClean="0"/>
-          </a:p>
-        </p:txBody>
-      </p:sp>
+        </p:nvPicPr>
+        <p:blipFill>
+          <a:blip r:embed="rId2">
+            <a:extLst>
+              <a:ext uri="{28A0092B-C50C-407E-A947-70E740481C1C}">
+                <a14:useLocalDpi xmlns:a14="http://schemas.microsoft.com/office/drawing/2010/main" val="0"/>
+              </a:ext>
+            </a:extLst>
+          </a:blip>
+          <a:stretch>
+            <a:fillRect/>
+          </a:stretch>
+        </p:blipFill>
+        <p:spPr>
+          <a:xfrm>
+            <a:off x="2906974" y="1559718"/>
+            <a:ext cx="5554638" cy="5141332"/>
+          </a:xfrm>
+        </p:spPr>
+      </p:pic>
     </p:spTree>
     <p:extLst>
       <p:ext uri="{BB962C8B-B14F-4D97-AF65-F5344CB8AC3E}">
-        <p14:creationId xmlns:p14="http://schemas.microsoft.com/office/powerpoint/2010/main" val="1003012626"/>
+        <p14:creationId xmlns:p14="http://schemas.microsoft.com/office/powerpoint/2010/main" val="3609199165"/>
       </p:ext>
     </p:extLst>
   </p:cSld>
   <p:clrMapOvr>
     <a:masterClrMapping/>
   </p:clrMapOvr>
-  <mc:AlternateContent xmlns:mc="http://schemas.openxmlformats.org/markup-compatibility/2006" xmlns:p14="http://schemas.microsoft.com/office/powerpoint/2010/main">
-    <mc:Choice Requires="p14">
+  <mc:AlternateContent xmlns:mc="http://schemas.openxmlformats.org/markup-compatibility/2006">
+    <mc:Choice xmlns:p14="http://schemas.microsoft.com/office/powerpoint/2010/main" Requires="p14">
       <p:transition spd="med" p14:dur="700">
         <p:fade/>
       </p:transition>
     </mc:Choice>
-    <mc:Fallback xmlns="">
+    <mc:Fallback>
       <p:transition spd="med">
         <p:fade/>
       </p:transition>
@@ -28417,164 +29050,73 @@
             <p:ph type="title"/>
           </p:nvPr>
         </p:nvSpPr>
-        <p:spPr/>
+        <p:spPr>
+          <a:xfrm>
+            <a:off x="345860" y="220706"/>
+            <a:ext cx="9404723" cy="1400530"/>
+          </a:xfrm>
+        </p:spPr>
         <p:txBody>
           <a:bodyPr/>
           <a:lstStyle/>
           <a:p>
             <a:r>
-              <a:rPr lang="en-US" dirty="0" smtClean="0"/>
-              <a:t>System Block Diagram</a:t>
+              <a:rPr lang="en-US" sz="4400" dirty="0"/>
+              <a:t>Micro – Spray Irrigation</a:t>
             </a:r>
+            <a:br>
+              <a:rPr lang="en-US" sz="4400" dirty="0"/>
+            </a:br>
             <a:endParaRPr lang="en-US" dirty="0"/>
           </a:p>
         </p:txBody>
       </p:sp>
-      <p:graphicFrame>
-        <p:nvGraphicFramePr>
-          <p:cNvPr id="25" name="Content Placeholder 24"/>
-          <p:cNvGraphicFramePr>
-            <a:graphicFrameLocks noGrp="1"/>
-          </p:cNvGraphicFramePr>
+      <p:pic>
+        <p:nvPicPr>
+          <p:cNvPr id="4" name="Content Placeholder 3"/>
+          <p:cNvPicPr>
+            <a:picLocks noGrp="1" noChangeAspect="1"/>
+          </p:cNvPicPr>
           <p:nvPr>
             <p:ph idx="1"/>
-            <p:extLst>
-              <p:ext uri="{D42A27DB-BD31-4B8C-83A1-F6EECF244321}">
-                <p14:modId xmlns:p14="http://schemas.microsoft.com/office/powerpoint/2010/main" val="164105552"/>
-              </p:ext>
-            </p:extLst>
           </p:nvPr>
-        </p:nvGraphicFramePr>
-        <p:xfrm>
-          <a:off x="1103312" y="2052638"/>
-          <a:ext cx="8947521" cy="4195762"/>
-        </p:xfrm>
-        <a:graphic>
-          <a:graphicData uri="http://schemas.openxmlformats.org/drawingml/2006/diagram">
-            <dgm:relIds xmlns:dgm="http://schemas.openxmlformats.org/drawingml/2006/diagram" xmlns:r="http://schemas.openxmlformats.org/officeDocument/2006/relationships" r:dm="rId2" r:lo="rId3" r:qs="rId4" r:cs="rId5"/>
-          </a:graphicData>
-        </a:graphic>
-      </p:graphicFrame>
-      <p:sp>
-        <p:nvSpPr>
-          <p:cNvPr id="3" name="Rounded Rectangle 2"/>
-          <p:cNvSpPr/>
-          <p:nvPr/>
-        </p:nvSpPr>
+        </p:nvPicPr>
+        <p:blipFill>
+          <a:blip r:embed="rId2">
+            <a:extLst>
+              <a:ext uri="{28A0092B-C50C-407E-A947-70E740481C1C}">
+                <a14:useLocalDpi xmlns:a14="http://schemas.microsoft.com/office/drawing/2010/main" val="0"/>
+              </a:ext>
+            </a:extLst>
+          </a:blip>
+          <a:stretch>
+            <a:fillRect/>
+          </a:stretch>
+        </p:blipFill>
         <p:spPr>
           <a:xfrm>
-            <a:off x="3732661" y="4758182"/>
-            <a:ext cx="1446663" cy="682388"/>
+            <a:off x="928048" y="1342955"/>
+            <a:ext cx="10326689" cy="5515045"/>
           </a:xfrm>
-          <a:prstGeom prst="roundRect">
-            <a:avLst/>
-          </a:prstGeom>
         </p:spPr>
-        <p:style>
-          <a:lnRef idx="2">
-            <a:schemeClr val="accent1">
-              <a:shade val="50000"/>
-            </a:schemeClr>
-          </a:lnRef>
-          <a:fillRef idx="1">
-            <a:schemeClr val="accent1"/>
-          </a:fillRef>
-          <a:effectRef idx="0">
-            <a:schemeClr val="accent1"/>
-          </a:effectRef>
-          <a:fontRef idx="minor">
-            <a:schemeClr val="lt1"/>
-          </a:fontRef>
-        </p:style>
-        <p:txBody>
-          <a:bodyPr rtlCol="0" anchor="ctr"/>
-          <a:lstStyle/>
-          <a:p>
-            <a:pPr algn="ctr"/>
-            <a:endParaRPr lang="en-US"/>
-          </a:p>
-        </p:txBody>
-      </p:sp>
-      <p:sp>
-        <p:nvSpPr>
-          <p:cNvPr id="4" name="TextBox 3"/>
-          <p:cNvSpPr txBox="1"/>
-          <p:nvPr/>
-        </p:nvSpPr>
-        <p:spPr>
-          <a:xfrm>
-            <a:off x="4010991" y="4758182"/>
-            <a:ext cx="1337481" cy="646331"/>
-          </a:xfrm>
-          <a:prstGeom prst="rect">
-            <a:avLst/>
-          </a:prstGeom>
-          <a:noFill/>
-        </p:spPr>
-        <p:txBody>
-          <a:bodyPr wrap="square" rtlCol="0">
-            <a:spAutoFit/>
-          </a:bodyPr>
-          <a:lstStyle/>
-          <a:p>
-            <a:r>
-              <a:rPr lang="en-US" dirty="0" smtClean="0"/>
-              <a:t>Water Valve</a:t>
-            </a:r>
-            <a:endParaRPr lang="en-US" dirty="0"/>
-          </a:p>
-        </p:txBody>
-      </p:sp>
-      <p:cxnSp>
-        <p:nvCxnSpPr>
-          <p:cNvPr id="6" name="Straight Arrow Connector 5"/>
-          <p:cNvCxnSpPr/>
-          <p:nvPr/>
-        </p:nvCxnSpPr>
-        <p:spPr>
-          <a:xfrm>
-            <a:off x="4442345" y="4380931"/>
-            <a:ext cx="13647" cy="377251"/>
-          </a:xfrm>
-          <a:prstGeom prst="straightConnector1">
-            <a:avLst/>
-          </a:prstGeom>
-          <a:ln>
-            <a:tailEnd type="triangle"/>
-          </a:ln>
-        </p:spPr>
-        <p:style>
-          <a:lnRef idx="1">
-            <a:schemeClr val="accent1"/>
-          </a:lnRef>
-          <a:fillRef idx="0">
-            <a:schemeClr val="accent1"/>
-          </a:fillRef>
-          <a:effectRef idx="0">
-            <a:schemeClr val="accent1"/>
-          </a:effectRef>
-          <a:fontRef idx="minor">
-            <a:schemeClr val="tx1"/>
-          </a:fontRef>
-        </p:style>
-      </p:cxnSp>
+      </p:pic>
     </p:spTree>
     <p:extLst>
       <p:ext uri="{BB962C8B-B14F-4D97-AF65-F5344CB8AC3E}">
-        <p14:creationId xmlns:p14="http://schemas.microsoft.com/office/powerpoint/2010/main" val="1137358770"/>
+        <p14:creationId xmlns:p14="http://schemas.microsoft.com/office/powerpoint/2010/main" val="4257595654"/>
       </p:ext>
     </p:extLst>
   </p:cSld>
   <p:clrMapOvr>
     <a:masterClrMapping/>
   </p:clrMapOvr>
-  <mc:AlternateContent xmlns:mc="http://schemas.openxmlformats.org/markup-compatibility/2006" xmlns:p14="http://schemas.microsoft.com/office/powerpoint/2010/main">
-    <mc:Choice Requires="p14">
+  <mc:AlternateContent xmlns:mc="http://schemas.openxmlformats.org/markup-compatibility/2006">
+    <mc:Choice xmlns:p14="http://schemas.microsoft.com/office/powerpoint/2010/main" Requires="p14">
       <p:transition spd="med" p14:dur="700">
         <p:fade/>
       </p:transition>
     </mc:Choice>
-    <mc:Fallback xmlns="">
+    <mc:Fallback>
       <p:transition spd="med">
         <p:fade/>
       </p:transition>
@@ -28617,119 +29159,73 @@
             <p:ph type="title"/>
           </p:nvPr>
         </p:nvSpPr>
-        <p:spPr/>
+        <p:spPr>
+          <a:xfrm>
+            <a:off x="127496" y="0"/>
+            <a:ext cx="9404723" cy="1400530"/>
+          </a:xfrm>
+        </p:spPr>
         <p:txBody>
           <a:bodyPr/>
           <a:lstStyle/>
           <a:p>
             <a:r>
-              <a:rPr lang="en-US" dirty="0" smtClean="0"/>
-              <a:t>Probe</a:t>
+              <a:rPr lang="en-US" sz="4400" dirty="0"/>
+              <a:t>Low- Energy precision application of sprinklers</a:t>
             </a:r>
+            <a:br>
+              <a:rPr lang="en-US" sz="4400" dirty="0"/>
+            </a:br>
             <a:endParaRPr lang="en-US" dirty="0"/>
           </a:p>
         </p:txBody>
       </p:sp>
-      <p:sp>
-        <p:nvSpPr>
-          <p:cNvPr id="3" name="Content Placeholder 2"/>
-          <p:cNvSpPr>
-            <a:spLocks noGrp="1"/>
-          </p:cNvSpPr>
+      <p:pic>
+        <p:nvPicPr>
+          <p:cNvPr id="4" name="Content Placeholder 3"/>
+          <p:cNvPicPr>
+            <a:picLocks noGrp="1" noChangeAspect="1"/>
+          </p:cNvPicPr>
           <p:nvPr>
             <p:ph idx="1"/>
           </p:nvPr>
-        </p:nvSpPr>
-        <p:spPr/>
-        <p:txBody>
-          <a:bodyPr>
-            <a:noAutofit/>
-          </a:bodyPr>
-          <a:lstStyle/>
-          <a:p>
-            <a:pPr>
-              <a:lnSpc>
-                <a:spcPct val="200000"/>
-              </a:lnSpc>
-            </a:pPr>
-            <a:r>
-              <a:rPr lang="en-US" sz="2000" dirty="0" smtClean="0"/>
-              <a:t>Probes are installed in the field. It is the platform which contains all the sensors and a microcontroller.</a:t>
-            </a:r>
-          </a:p>
-          <a:p>
-            <a:pPr>
-              <a:lnSpc>
-                <a:spcPct val="200000"/>
-              </a:lnSpc>
-            </a:pPr>
-            <a:r>
-              <a:rPr lang="en-US" sz="2000" dirty="0" smtClean="0"/>
-              <a:t>The sensors are connected to a microcontroller board “LoRaduino”.</a:t>
-            </a:r>
-            <a:endParaRPr lang="en-US" sz="2000" dirty="0"/>
-          </a:p>
-          <a:p>
-            <a:pPr>
-              <a:lnSpc>
-                <a:spcPct val="200000"/>
-              </a:lnSpc>
-            </a:pPr>
-            <a:r>
-              <a:rPr lang="en-US" sz="2000" dirty="0" smtClean="0"/>
-              <a:t> This collected data is processed in LoRaduino.</a:t>
-            </a:r>
-          </a:p>
-          <a:p>
-            <a:pPr>
-              <a:lnSpc>
-                <a:spcPct val="200000"/>
-              </a:lnSpc>
-            </a:pPr>
-            <a:r>
-              <a:rPr lang="en-US" sz="2000" dirty="0" smtClean="0"/>
-              <a:t>Processed data </a:t>
-            </a:r>
-            <a:r>
-              <a:rPr lang="en-US" sz="2000" dirty="0"/>
-              <a:t>is transmitted to the communication hub through </a:t>
-            </a:r>
-            <a:r>
-              <a:rPr lang="en-US" sz="2000" dirty="0" smtClean="0"/>
-              <a:t>a built-in radio transmitter.</a:t>
-            </a:r>
-            <a:endParaRPr lang="en-US" sz="2000" dirty="0"/>
-          </a:p>
-          <a:p>
-            <a:pPr>
-              <a:lnSpc>
-                <a:spcPct val="200000"/>
-              </a:lnSpc>
-            </a:pPr>
-            <a:endParaRPr lang="en-US" sz="2000" dirty="0" smtClean="0"/>
-          </a:p>
-          <a:p>
-            <a:endParaRPr lang="en-US" sz="2000" dirty="0"/>
-          </a:p>
-        </p:txBody>
-      </p:sp>
+        </p:nvPicPr>
+        <p:blipFill>
+          <a:blip r:embed="rId2">
+            <a:extLst>
+              <a:ext uri="{28A0092B-C50C-407E-A947-70E740481C1C}">
+                <a14:useLocalDpi xmlns:a14="http://schemas.microsoft.com/office/drawing/2010/main" val="0"/>
+              </a:ext>
+            </a:extLst>
+          </a:blip>
+          <a:stretch>
+            <a:fillRect/>
+          </a:stretch>
+        </p:blipFill>
+        <p:spPr>
+          <a:xfrm>
+            <a:off x="0" y="1414178"/>
+            <a:ext cx="12192000" cy="5457470"/>
+          </a:xfrm>
+        </p:spPr>
+      </p:pic>
     </p:spTree>
     <p:extLst>
       <p:ext uri="{BB962C8B-B14F-4D97-AF65-F5344CB8AC3E}">
-        <p14:creationId xmlns:p14="http://schemas.microsoft.com/office/powerpoint/2010/main" val="918722642"/>
+        <p14:creationId xmlns:p14="http://schemas.microsoft.com/office/powerpoint/2010/main" val="3081761578"/>
       </p:ext>
     </p:extLst>
   </p:cSld>
   <p:clrMapOvr>
     <a:masterClrMapping/>
   </p:clrMapOvr>
-  <mc:AlternateContent xmlns:mc="http://schemas.openxmlformats.org/markup-compatibility/2006" xmlns:p14="http://schemas.microsoft.com/office/powerpoint/2010/main">
-    <mc:Choice Requires="p14">
+  <mc:AlternateContent xmlns:mc="http://schemas.openxmlformats.org/markup-compatibility/2006">
+    <mc:Choice xmlns:p14="http://schemas.microsoft.com/office/powerpoint/2010/main" Requires="p14">
       <p:transition spd="med" p14:dur="700">
         <p:fade/>
       </p:transition>
     </mc:Choice>
-    <mc:Fallback xmlns="">
+    <mc:Fallback>
       <p:transition spd="med">
         <p:fade/>
       </p:transition>

--- a/Final Presentation PA (1).pptx
+++ b/Final Presentation PA (1).pptx
@@ -27026,7 +27026,7 @@
         <p:spPr/>
         <p:txBody>
           <a:bodyPr>
-            <a:normAutofit fontScale="85000" lnSpcReduction="20000"/>
+            <a:normAutofit fontScale="70000" lnSpcReduction="20000"/>
           </a:bodyPr>
           <a:lstStyle/>
           <a:p>
@@ -27101,7 +27101,11 @@
             </a:pPr>
             <a:r>
               <a:rPr lang="en-US" sz="2600" dirty="0" smtClean="0"/>
-              <a:t>Block Diagram</a:t>
+              <a:t>System Block </a:t>
+            </a:r>
+            <a:r>
+              <a:rPr lang="en-US" sz="2600" dirty="0" smtClean="0"/>
+              <a:t>Diagram</a:t>
             </a:r>
           </a:p>
           <a:p>
@@ -27112,7 +27116,23 @@
             </a:pPr>
             <a:r>
               <a:rPr lang="en-US" sz="2600" dirty="0" smtClean="0"/>
-              <a:t>Block Diagram Explanation</a:t>
+              <a:t>System</a:t>
+            </a:r>
+            <a:r>
+              <a:rPr lang="en-US" sz="2600" dirty="0" smtClean="0"/>
+              <a:t> Explanation</a:t>
+            </a:r>
+            <a:endParaRPr lang="en-US" sz="2600" dirty="0" smtClean="0"/>
+          </a:p>
+          <a:p>
+            <a:pPr>
+              <a:lnSpc>
+                <a:spcPct val="120000"/>
+              </a:lnSpc>
+            </a:pPr>
+            <a:r>
+              <a:rPr lang="en-US" sz="2600" dirty="0" smtClean="0"/>
+              <a:t>Test Readings</a:t>
             </a:r>
           </a:p>
           <a:p>
@@ -27123,8 +27143,9 @@
             </a:pPr>
             <a:r>
               <a:rPr lang="en-US" sz="2600" dirty="0" smtClean="0"/>
-              <a:t>Path Forward</a:t>
+              <a:t>Graphical User Interface</a:t>
             </a:r>
+            <a:endParaRPr lang="en-US" sz="2600" dirty="0" smtClean="0"/>
           </a:p>
           <a:p>
             <a:pPr>
